--- a/slides/Vinicius_Infoeste_2019.pptx
+++ b/slides/Vinicius_Infoeste_2019.pptx
@@ -21,7 +21,8 @@
     <p:sldId id="278" r:id="rId15"/>
     <p:sldId id="283" r:id="rId16"/>
     <p:sldId id="284" r:id="rId17"/>
-    <p:sldId id="285" r:id="rId18"/>
+    <p:sldId id="289" r:id="rId18"/>
+    <p:sldId id="285" r:id="rId19"/>
   </p:sldIdLst>
   <p:sldSz cx="12192000" cy="6858000"/>
   <p:notesSz cx="6858000" cy="9144000"/>
@@ -259,7 +260,7 @@
           <a:p>
             <a:fld id="{626380B7-0FA9-4F78-A0A5-93DADF34BB19}" type="datetimeFigureOut">
               <a:rPr lang="pt-BR" smtClean="0"/>
-              <a:t>02/05/2019</a:t>
+              <a:t>10/05/2019</a:t>
             </a:fld>
             <a:endParaRPr lang="pt-BR"/>
           </a:p>
@@ -429,7 +430,7 @@
           <a:p>
             <a:fld id="{626380B7-0FA9-4F78-A0A5-93DADF34BB19}" type="datetimeFigureOut">
               <a:rPr lang="pt-BR" smtClean="0"/>
-              <a:t>02/05/2019</a:t>
+              <a:t>10/05/2019</a:t>
             </a:fld>
             <a:endParaRPr lang="pt-BR"/>
           </a:p>
@@ -609,7 +610,7 @@
           <a:p>
             <a:fld id="{626380B7-0FA9-4F78-A0A5-93DADF34BB19}" type="datetimeFigureOut">
               <a:rPr lang="pt-BR" smtClean="0"/>
-              <a:t>02/05/2019</a:t>
+              <a:t>10/05/2019</a:t>
             </a:fld>
             <a:endParaRPr lang="pt-BR"/>
           </a:p>
@@ -779,7 +780,7 @@
           <a:p>
             <a:fld id="{626380B7-0FA9-4F78-A0A5-93DADF34BB19}" type="datetimeFigureOut">
               <a:rPr lang="pt-BR" smtClean="0"/>
-              <a:t>02/05/2019</a:t>
+              <a:t>10/05/2019</a:t>
             </a:fld>
             <a:endParaRPr lang="pt-BR"/>
           </a:p>
@@ -1025,7 +1026,7 @@
           <a:p>
             <a:fld id="{626380B7-0FA9-4F78-A0A5-93DADF34BB19}" type="datetimeFigureOut">
               <a:rPr lang="pt-BR" smtClean="0"/>
-              <a:t>02/05/2019</a:t>
+              <a:t>10/05/2019</a:t>
             </a:fld>
             <a:endParaRPr lang="pt-BR"/>
           </a:p>
@@ -1257,7 +1258,7 @@
           <a:p>
             <a:fld id="{626380B7-0FA9-4F78-A0A5-93DADF34BB19}" type="datetimeFigureOut">
               <a:rPr lang="pt-BR" smtClean="0"/>
-              <a:t>02/05/2019</a:t>
+              <a:t>10/05/2019</a:t>
             </a:fld>
             <a:endParaRPr lang="pt-BR"/>
           </a:p>
@@ -1624,7 +1625,7 @@
           <a:p>
             <a:fld id="{626380B7-0FA9-4F78-A0A5-93DADF34BB19}" type="datetimeFigureOut">
               <a:rPr lang="pt-BR" smtClean="0"/>
-              <a:t>02/05/2019</a:t>
+              <a:t>10/05/2019</a:t>
             </a:fld>
             <a:endParaRPr lang="pt-BR"/>
           </a:p>
@@ -1742,7 +1743,7 @@
           <a:p>
             <a:fld id="{626380B7-0FA9-4F78-A0A5-93DADF34BB19}" type="datetimeFigureOut">
               <a:rPr lang="pt-BR" smtClean="0"/>
-              <a:t>02/05/2019</a:t>
+              <a:t>10/05/2019</a:t>
             </a:fld>
             <a:endParaRPr lang="pt-BR"/>
           </a:p>
@@ -1837,7 +1838,7 @@
           <a:p>
             <a:fld id="{626380B7-0FA9-4F78-A0A5-93DADF34BB19}" type="datetimeFigureOut">
               <a:rPr lang="pt-BR" smtClean="0"/>
-              <a:t>02/05/2019</a:t>
+              <a:t>10/05/2019</a:t>
             </a:fld>
             <a:endParaRPr lang="pt-BR"/>
           </a:p>
@@ -2114,7 +2115,7 @@
           <a:p>
             <a:fld id="{626380B7-0FA9-4F78-A0A5-93DADF34BB19}" type="datetimeFigureOut">
               <a:rPr lang="pt-BR" smtClean="0"/>
-              <a:t>02/05/2019</a:t>
+              <a:t>10/05/2019</a:t>
             </a:fld>
             <a:endParaRPr lang="pt-BR"/>
           </a:p>
@@ -2367,7 +2368,7 @@
           <a:p>
             <a:fld id="{626380B7-0FA9-4F78-A0A5-93DADF34BB19}" type="datetimeFigureOut">
               <a:rPr lang="pt-BR" smtClean="0"/>
-              <a:t>02/05/2019</a:t>
+              <a:t>10/05/2019</a:t>
             </a:fld>
             <a:endParaRPr lang="pt-BR"/>
           </a:p>
@@ -2580,7 +2581,7 @@
           <a:p>
             <a:fld id="{626380B7-0FA9-4F78-A0A5-93DADF34BB19}" type="datetimeFigureOut">
               <a:rPr lang="pt-BR" smtClean="0"/>
-              <a:t>02/05/2019</a:t>
+              <a:t>10/05/2019</a:t>
             </a:fld>
             <a:endParaRPr lang="pt-BR"/>
           </a:p>
@@ -3106,10 +3107,10 @@
           <a:lstStyle/>
           <a:p>
             <a:r>
-              <a:rPr lang="pt-BR" dirty="0" smtClean="0"/>
+              <a:rPr lang="pt-BR" b="1" dirty="0" smtClean="0"/>
               <a:t>2º Dia</a:t>
             </a:r>
-            <a:endParaRPr lang="pt-BR" dirty="0"/>
+            <a:endParaRPr lang="pt-BR" b="1" dirty="0"/>
           </a:p>
         </p:txBody>
       </p:sp>
@@ -3160,11 +3161,7 @@
           <a:p>
             <a:r>
               <a:rPr lang="pt-BR" dirty="0" smtClean="0"/>
-              <a:t>JS</a:t>
-            </a:r>
-            <a:r>
-              <a:rPr lang="pt-BR" dirty="0" smtClean="0"/>
-              <a:t> e o DOM;</a:t>
+              <a:t>JS e o DOM;</a:t>
             </a:r>
           </a:p>
           <a:p>
@@ -3240,30 +3237,30 @@
           <a:lstStyle/>
           <a:p>
             <a:r>
-              <a:rPr lang="pt-BR" dirty="0" err="1" smtClean="0"/>
+              <a:rPr lang="pt-BR" b="1" dirty="0" err="1" smtClean="0"/>
               <a:t>Document</a:t>
             </a:r>
             <a:r>
-              <a:rPr lang="pt-BR" dirty="0" smtClean="0"/>
+              <a:rPr lang="pt-BR" b="1" dirty="0" smtClean="0"/>
               <a:t> </a:t>
             </a:r>
             <a:r>
-              <a:rPr lang="pt-BR" dirty="0" err="1" smtClean="0"/>
+              <a:rPr lang="pt-BR" b="1" dirty="0" err="1" smtClean="0"/>
               <a:t>Object</a:t>
             </a:r>
             <a:r>
-              <a:rPr lang="pt-BR" dirty="0" smtClean="0"/>
+              <a:rPr lang="pt-BR" b="1" dirty="0" smtClean="0"/>
               <a:t> </a:t>
             </a:r>
             <a:r>
-              <a:rPr lang="pt-BR" dirty="0" err="1" smtClean="0"/>
+              <a:rPr lang="pt-BR" b="1" dirty="0" err="1" smtClean="0"/>
               <a:t>Model</a:t>
             </a:r>
             <a:r>
-              <a:rPr lang="pt-BR" dirty="0" smtClean="0"/>
+              <a:rPr lang="pt-BR" b="1" dirty="0" smtClean="0"/>
               <a:t> (DOM)</a:t>
             </a:r>
-            <a:endParaRPr lang="pt-BR" dirty="0"/>
+            <a:endParaRPr lang="pt-BR" b="1" dirty="0"/>
           </a:p>
         </p:txBody>
       </p:sp>
@@ -3687,11 +3684,7 @@
           <a:p>
             <a:r>
               <a:rPr lang="pt-BR" b="1" dirty="0" smtClean="0"/>
-              <a:t>Instalando/importando o </a:t>
-            </a:r>
-            <a:r>
-              <a:rPr lang="pt-BR" b="1" dirty="0" smtClean="0"/>
-              <a:t>JQUERY(mudar)</a:t>
+              <a:t>Instalando/importando o JQUERY(mudar)</a:t>
             </a:r>
             <a:endParaRPr lang="pt-BR" b="1" dirty="0"/>
           </a:p>
@@ -3732,7 +3725,6 @@
               <a:rPr lang="pt-BR" dirty="0" smtClean="0"/>
               <a:t>Foi desenvolvida para simplificar a escrita em alguns casos;</a:t>
             </a:r>
-            <a:endParaRPr lang="pt-BR" dirty="0" smtClean="0"/>
           </a:p>
           <a:p>
             <a:r>
@@ -3741,11 +3733,7 @@
             </a:r>
             <a:r>
               <a:rPr lang="pt-BR" dirty="0" smtClean="0"/>
-              <a:t> </a:t>
-            </a:r>
-            <a:r>
-              <a:rPr lang="pt-BR" dirty="0" smtClean="0"/>
-              <a:t>usar </a:t>
+              <a:t> usar </a:t>
             </a:r>
             <a:r>
               <a:rPr lang="pt-BR" dirty="0" err="1" smtClean="0"/>
@@ -3837,7 +3825,6 @@
               <a:rPr lang="pt-BR" dirty="0" smtClean="0"/>
               <a:t>Eventos</a:t>
             </a:r>
-            <a:endParaRPr lang="pt-BR" dirty="0" smtClean="0"/>
           </a:p>
           <a:p>
             <a:r>
@@ -3896,60 +3883,56 @@
           <a:lstStyle/>
           <a:p>
             <a:r>
-              <a:rPr lang="pt-BR" dirty="0" smtClean="0"/>
-              <a:t>projeto</a:t>
+              <a:rPr lang="pt-BR" b="1" dirty="0"/>
+              <a:t>P</a:t>
+            </a:r>
+            <a:r>
+              <a:rPr lang="pt-BR" b="1" dirty="0" smtClean="0"/>
+              <a:t>rojeto</a:t>
+            </a:r>
+            <a:endParaRPr lang="pt-BR" b="1" dirty="0"/>
+          </a:p>
+        </p:txBody>
+      </p:sp>
+      <p:sp>
+        <p:nvSpPr>
+          <p:cNvPr id="3" name="Espaço Reservado para Conteúdo 2"/>
+          <p:cNvSpPr>
+            <a:spLocks noGrp="1"/>
+          </p:cNvSpPr>
+          <p:nvPr>
+            <p:ph idx="1"/>
+          </p:nvPr>
+        </p:nvSpPr>
+        <p:spPr/>
+        <p:txBody>
+          <a:bodyPr/>
+          <a:lstStyle/>
+          <a:p>
+            <a:r>
+              <a:rPr lang="pt-BR" dirty="0" smtClean="0"/>
+              <a:t>Criação de um layout com </a:t>
+            </a:r>
+            <a:r>
+              <a:rPr lang="pt-BR" dirty="0" smtClean="0"/>
+              <a:t>4 páginas;</a:t>
             </a:r>
             <a:endParaRPr lang="pt-BR" dirty="0"/>
           </a:p>
-        </p:txBody>
-      </p:sp>
-      <p:sp>
-        <p:nvSpPr>
-          <p:cNvPr id="3" name="Espaço Reservado para Conteúdo 2"/>
-          <p:cNvSpPr>
-            <a:spLocks noGrp="1"/>
-          </p:cNvSpPr>
-          <p:nvPr>
-            <p:ph idx="1"/>
-          </p:nvPr>
-        </p:nvSpPr>
-        <p:spPr/>
-        <p:txBody>
-          <a:bodyPr/>
-          <a:lstStyle/>
-          <a:p>
-            <a:r>
-              <a:rPr lang="pt-BR" dirty="0" smtClean="0"/>
-              <a:t>Criação de um layout com 6 páginas;</a:t>
-            </a:r>
-          </a:p>
           <a:p>
             <a:pPr lvl="1"/>
             <a:r>
               <a:rPr lang="pt-BR" dirty="0" smtClean="0"/>
-              <a:t>Principal;</a:t>
-            </a:r>
-          </a:p>
-          <a:p>
-            <a:pPr lvl="2"/>
-            <a:r>
-              <a:rPr lang="pt-BR" dirty="0" smtClean="0"/>
               <a:t>Home;</a:t>
             </a:r>
           </a:p>
           <a:p>
-            <a:pPr lvl="2"/>
+            <a:pPr lvl="1"/>
             <a:r>
               <a:rPr lang="pt-BR" dirty="0" smtClean="0"/>
               <a:t>Sobre;</a:t>
             </a:r>
-          </a:p>
-          <a:p>
-            <a:pPr lvl="2"/>
-            <a:r>
-              <a:rPr lang="pt-BR" dirty="0" smtClean="0"/>
-              <a:t>Desenvolvedor</a:t>
-            </a:r>
+            <a:endParaRPr lang="pt-BR" dirty="0" smtClean="0"/>
           </a:p>
           <a:p>
             <a:pPr lvl="1"/>
@@ -4037,7 +4020,11 @@
           <a:bodyPr/>
           <a:lstStyle/>
           <a:p>
-            <a:endParaRPr lang="pt-BR"/>
+            <a:r>
+              <a:rPr lang="pt-BR" b="1" dirty="0" smtClean="0"/>
+              <a:t>Exercícios JS e JQ</a:t>
+            </a:r>
+            <a:endParaRPr lang="pt-BR" b="1" dirty="0"/>
           </a:p>
         </p:txBody>
       </p:sp>
@@ -4056,7 +4043,47 @@
           <a:bodyPr/>
           <a:lstStyle/>
           <a:p>
-            <a:endParaRPr lang="pt-BR"/>
+            <a:r>
+              <a:rPr lang="pt-BR" dirty="0" smtClean="0"/>
+              <a:t>Exercício 1 – </a:t>
+            </a:r>
+            <a:r>
+              <a:rPr lang="pt-BR" dirty="0" err="1" smtClean="0"/>
+              <a:t>hide</a:t>
+            </a:r>
+            <a:r>
+              <a:rPr lang="pt-BR" dirty="0" smtClean="0"/>
+              <a:t>();</a:t>
+            </a:r>
+          </a:p>
+          <a:p>
+            <a:r>
+              <a:rPr lang="pt-BR" dirty="0" smtClean="0"/>
+              <a:t>Exercício 2 – </a:t>
+            </a:r>
+            <a:r>
+              <a:rPr lang="pt-BR" dirty="0" err="1" smtClean="0"/>
+              <a:t>append</a:t>
+            </a:r>
+            <a:r>
+              <a:rPr lang="pt-BR" dirty="0" smtClean="0"/>
+              <a:t>();</a:t>
+            </a:r>
+          </a:p>
+          <a:p>
+            <a:r>
+              <a:rPr lang="pt-BR" dirty="0" smtClean="0"/>
+              <a:t>Exercício 3 – </a:t>
+            </a:r>
+            <a:r>
+              <a:rPr lang="pt-BR" dirty="0" err="1" smtClean="0"/>
+              <a:t>ajax</a:t>
+            </a:r>
+            <a:r>
+              <a:rPr lang="pt-BR" dirty="0" smtClean="0"/>
+              <a:t>();</a:t>
+            </a:r>
+            <a:endParaRPr lang="pt-BR" dirty="0"/>
           </a:p>
         </p:txBody>
       </p:sp>
@@ -4070,6 +4097,13 @@
   <p:clrMapOvr>
     <a:masterClrMapping/>
   </p:clrMapOvr>
+  <p:timing>
+    <p:tnLst>
+      <p:par>
+        <p:cTn id="1" dur="indefinite" restart="never" nodeType="tmRoot"/>
+      </p:par>
+    </p:tnLst>
+  </p:timing>
 </p:sld>
 </file>
 
@@ -4107,6 +4141,95 @@
           <a:p>
             <a:r>
               <a:rPr lang="pt-BR" b="1" dirty="0" smtClean="0"/>
+              <a:t>Continuidade do projeto...</a:t>
+            </a:r>
+            <a:endParaRPr lang="pt-BR" b="1" dirty="0"/>
+          </a:p>
+        </p:txBody>
+      </p:sp>
+      <p:pic>
+        <p:nvPicPr>
+          <p:cNvPr id="4" name="Espaço Reservado para Conteúdo 3"/>
+          <p:cNvPicPr>
+            <a:picLocks noGrp="1" noChangeAspect="1"/>
+          </p:cNvPicPr>
+          <p:nvPr>
+            <p:ph idx="1"/>
+          </p:nvPr>
+        </p:nvPicPr>
+        <p:blipFill>
+          <a:blip r:embed="rId2">
+            <a:extLst>
+              <a:ext uri="{28A0092B-C50C-407E-A947-70E740481C1C}">
+                <a14:useLocalDpi xmlns:a14="http://schemas.microsoft.com/office/drawing/2010/main" val="0"/>
+              </a:ext>
+            </a:extLst>
+          </a:blip>
+          <a:stretch>
+            <a:fillRect/>
+          </a:stretch>
+        </p:blipFill>
+        <p:spPr>
+          <a:xfrm>
+            <a:off x="1466581" y="1690688"/>
+            <a:ext cx="9258837" cy="4947987"/>
+          </a:xfrm>
+        </p:spPr>
+      </p:pic>
+    </p:spTree>
+    <p:extLst>
+      <p:ext uri="{BB962C8B-B14F-4D97-AF65-F5344CB8AC3E}">
+        <p14:creationId xmlns:p14="http://schemas.microsoft.com/office/powerpoint/2010/main" val="4151754074"/>
+      </p:ext>
+    </p:extLst>
+  </p:cSld>
+  <p:clrMapOvr>
+    <a:masterClrMapping/>
+  </p:clrMapOvr>
+  <p:timing>
+    <p:tnLst>
+      <p:par>
+        <p:cTn id="1" dur="indefinite" restart="never" nodeType="tmRoot"/>
+      </p:par>
+    </p:tnLst>
+  </p:timing>
+</p:sld>
+</file>
+
+<file path=ppt/slides/slide18.xml><?xml version="1.0" encoding="utf-8"?>
+<p:sld xmlns:a="http://schemas.openxmlformats.org/drawingml/2006/main" xmlns:r="http://schemas.openxmlformats.org/officeDocument/2006/relationships" xmlns:p="http://schemas.openxmlformats.org/presentationml/2006/main">
+  <p:cSld>
+    <p:spTree>
+      <p:nvGrpSpPr>
+        <p:cNvPr id="1" name=""/>
+        <p:cNvGrpSpPr/>
+        <p:nvPr/>
+      </p:nvGrpSpPr>
+      <p:grpSpPr>
+        <a:xfrm>
+          <a:off x="0" y="0"/>
+          <a:ext cx="0" cy="0"/>
+          <a:chOff x="0" y="0"/>
+          <a:chExt cx="0" cy="0"/>
+        </a:xfrm>
+      </p:grpSpPr>
+      <p:sp>
+        <p:nvSpPr>
+          <p:cNvPr id="2" name="Título 1"/>
+          <p:cNvSpPr>
+            <a:spLocks noGrp="1"/>
+          </p:cNvSpPr>
+          <p:nvPr>
+            <p:ph type="title"/>
+          </p:nvPr>
+        </p:nvSpPr>
+        <p:spPr/>
+        <p:txBody>
+          <a:bodyPr/>
+          <a:lstStyle/>
+          <a:p>
+            <a:r>
+              <a:rPr lang="pt-BR" b="1" dirty="0" smtClean="0"/>
               <a:t>Referências </a:t>
             </a:r>
             <a:endParaRPr lang="pt-BR" b="1" dirty="0"/>
@@ -4132,7 +4255,6 @@
               <a:rPr lang="pt-BR" dirty="0"/>
               <a:t>https://www.w3schools.com/</a:t>
             </a:r>
-            <a:endParaRPr lang="pt-BR" dirty="0"/>
           </a:p>
         </p:txBody>
       </p:sp>
@@ -4146,6 +4268,13 @@
   <p:clrMapOvr>
     <a:masterClrMapping/>
   </p:clrMapOvr>
+  <p:timing>
+    <p:tnLst>
+      <p:par>
+        <p:cTn id="1" dur="indefinite" restart="never" nodeType="tmRoot"/>
+      </p:par>
+    </p:tnLst>
+  </p:timing>
 </p:sld>
 </file>
 
@@ -4446,15 +4575,7 @@
           <a:p>
             <a:r>
               <a:rPr lang="pt-BR" dirty="0" smtClean="0"/>
-              <a:t>Utilizada </a:t>
-            </a:r>
-            <a:r>
-              <a:rPr lang="pt-BR" dirty="0" smtClean="0"/>
-              <a:t>em conjunto com o </a:t>
-            </a:r>
-            <a:r>
-              <a:rPr lang="pt-BR" dirty="0" smtClean="0"/>
-              <a:t>HTML.</a:t>
+              <a:t>Utilizada em conjunto com o HTML.</a:t>
             </a:r>
             <a:endParaRPr lang="pt-BR" dirty="0"/>
           </a:p>
@@ -4564,11 +4685,7 @@
           <a:p>
             <a:r>
               <a:rPr lang="pt-BR" dirty="0" smtClean="0"/>
-              <a:t>É u</a:t>
-            </a:r>
-            <a:r>
-              <a:rPr lang="pt-BR" dirty="0" smtClean="0"/>
-              <a:t>ma linguagem fracamente </a:t>
+              <a:t>É uma linguagem fracamente </a:t>
             </a:r>
             <a:r>
               <a:rPr lang="pt-BR" dirty="0" err="1" smtClean="0"/>
@@ -4741,9 +4858,19 @@
             </a:r>
           </a:p>
           <a:p>
+            <a:pPr lvl="1"/>
             <a:r>
               <a:rPr lang="pt-BR" dirty="0" smtClean="0">
-                <a:hlinkClick r:id="rId5"/>
+                <a:hlinkClick r:id="rId5" action="ppaction://hlinkfile"/>
+              </a:rPr>
+              <a:t>Comandos GIT</a:t>
+            </a:r>
+            <a:endParaRPr lang="pt-BR" dirty="0" smtClean="0"/>
+          </a:p>
+          <a:p>
+            <a:r>
+              <a:rPr lang="pt-BR" dirty="0" smtClean="0">
+                <a:hlinkClick r:id="rId6"/>
               </a:rPr>
               <a:t>NODE.JS</a:t>
             </a:r>
@@ -4833,24 +4960,14 @@
             </a:r>
             <a:r>
               <a:rPr lang="pt-BR" dirty="0" smtClean="0"/>
-              <a:t> hub </a:t>
-            </a:r>
-            <a:r>
-              <a:rPr lang="pt-BR" dirty="0" smtClean="0"/>
-              <a:t>?</a:t>
-            </a:r>
-            <a:endParaRPr lang="pt-BR" dirty="0" smtClean="0"/>
-          </a:p>
-          <a:p>
-            <a:r>
-              <a:rPr lang="pt-BR" dirty="0" smtClean="0"/>
-              <a:t>Plataforma de hospedagem de código para controle de </a:t>
-            </a:r>
-            <a:r>
-              <a:rPr lang="pt-BR" dirty="0" smtClean="0"/>
-              <a:t>versão;</a:t>
-            </a:r>
-            <a:endParaRPr lang="pt-BR" dirty="0" smtClean="0"/>
+              <a:t> hub ?</a:t>
+            </a:r>
+          </a:p>
+          <a:p>
+            <a:r>
+              <a:rPr lang="pt-BR" dirty="0" smtClean="0"/>
+              <a:t>Plataforma de hospedagem de código para controle de versão;</a:t>
+            </a:r>
           </a:p>
           <a:p>
             <a:r>
@@ -5010,11 +5127,7 @@
             </a:r>
             <a:r>
               <a:rPr lang="pt-BR" b="1" dirty="0" smtClean="0"/>
-              <a:t>Um pouco mais de HTML e </a:t>
-            </a:r>
-            <a:r>
-              <a:rPr lang="pt-BR" b="1" dirty="0" smtClean="0"/>
-              <a:t>CSS...</a:t>
+              <a:t>Um pouco mais de HTML e CSS...</a:t>
             </a:r>
             <a:endParaRPr lang="pt-BR" b="1" dirty="0"/>
           </a:p>

--- a/slides/Vinicius_Infoeste_2019.pptx
+++ b/slides/Vinicius_Infoeste_2019.pptx
@@ -123,7 +123,7 @@
   </p:defaultTextStyle>
   <p:extLst>
     <p:ext uri="{EFAFB233-063F-42B5-8137-9DF3F51BA10A}">
-      <p15:sldGuideLst xmlns:p15="http://schemas.microsoft.com/office/powerpoint/2012/main"/>
+      <p15:sldGuideLst xmlns:p15="http://schemas.microsoft.com/office/powerpoint/2012/main" xmlns=""/>
     </p:ext>
   </p:extLst>
 </p:presentation>
@@ -260,7 +260,7 @@
           <a:p>
             <a:fld id="{626380B7-0FA9-4F78-A0A5-93DADF34BB19}" type="datetimeFigureOut">
               <a:rPr lang="pt-BR" smtClean="0"/>
-              <a:t>10/05/2019</a:t>
+              <a:t>12/05/2019</a:t>
             </a:fld>
             <a:endParaRPr lang="pt-BR"/>
           </a:p>
@@ -430,7 +430,7 @@
           <a:p>
             <a:fld id="{626380B7-0FA9-4F78-A0A5-93DADF34BB19}" type="datetimeFigureOut">
               <a:rPr lang="pt-BR" smtClean="0"/>
-              <a:t>10/05/2019</a:t>
+              <a:t>12/05/2019</a:t>
             </a:fld>
             <a:endParaRPr lang="pt-BR"/>
           </a:p>
@@ -610,7 +610,7 @@
           <a:p>
             <a:fld id="{626380B7-0FA9-4F78-A0A5-93DADF34BB19}" type="datetimeFigureOut">
               <a:rPr lang="pt-BR" smtClean="0"/>
-              <a:t>10/05/2019</a:t>
+              <a:t>12/05/2019</a:t>
             </a:fld>
             <a:endParaRPr lang="pt-BR"/>
           </a:p>
@@ -780,7 +780,7 @@
           <a:p>
             <a:fld id="{626380B7-0FA9-4F78-A0A5-93DADF34BB19}" type="datetimeFigureOut">
               <a:rPr lang="pt-BR" smtClean="0"/>
-              <a:t>10/05/2019</a:t>
+              <a:t>12/05/2019</a:t>
             </a:fld>
             <a:endParaRPr lang="pt-BR"/>
           </a:p>
@@ -1026,7 +1026,7 @@
           <a:p>
             <a:fld id="{626380B7-0FA9-4F78-A0A5-93DADF34BB19}" type="datetimeFigureOut">
               <a:rPr lang="pt-BR" smtClean="0"/>
-              <a:t>10/05/2019</a:t>
+              <a:t>12/05/2019</a:t>
             </a:fld>
             <a:endParaRPr lang="pt-BR"/>
           </a:p>
@@ -1258,7 +1258,7 @@
           <a:p>
             <a:fld id="{626380B7-0FA9-4F78-A0A5-93DADF34BB19}" type="datetimeFigureOut">
               <a:rPr lang="pt-BR" smtClean="0"/>
-              <a:t>10/05/2019</a:t>
+              <a:t>12/05/2019</a:t>
             </a:fld>
             <a:endParaRPr lang="pt-BR"/>
           </a:p>
@@ -1625,7 +1625,7 @@
           <a:p>
             <a:fld id="{626380B7-0FA9-4F78-A0A5-93DADF34BB19}" type="datetimeFigureOut">
               <a:rPr lang="pt-BR" smtClean="0"/>
-              <a:t>10/05/2019</a:t>
+              <a:t>12/05/2019</a:t>
             </a:fld>
             <a:endParaRPr lang="pt-BR"/>
           </a:p>
@@ -1743,7 +1743,7 @@
           <a:p>
             <a:fld id="{626380B7-0FA9-4F78-A0A5-93DADF34BB19}" type="datetimeFigureOut">
               <a:rPr lang="pt-BR" smtClean="0"/>
-              <a:t>10/05/2019</a:t>
+              <a:t>12/05/2019</a:t>
             </a:fld>
             <a:endParaRPr lang="pt-BR"/>
           </a:p>
@@ -1838,7 +1838,7 @@
           <a:p>
             <a:fld id="{626380B7-0FA9-4F78-A0A5-93DADF34BB19}" type="datetimeFigureOut">
               <a:rPr lang="pt-BR" smtClean="0"/>
-              <a:t>10/05/2019</a:t>
+              <a:t>12/05/2019</a:t>
             </a:fld>
             <a:endParaRPr lang="pt-BR"/>
           </a:p>
@@ -2115,7 +2115,7 @@
           <a:p>
             <a:fld id="{626380B7-0FA9-4F78-A0A5-93DADF34BB19}" type="datetimeFigureOut">
               <a:rPr lang="pt-BR" smtClean="0"/>
-              <a:t>10/05/2019</a:t>
+              <a:t>12/05/2019</a:t>
             </a:fld>
             <a:endParaRPr lang="pt-BR"/>
           </a:p>
@@ -2368,7 +2368,7 @@
           <a:p>
             <a:fld id="{626380B7-0FA9-4F78-A0A5-93DADF34BB19}" type="datetimeFigureOut">
               <a:rPr lang="pt-BR" smtClean="0"/>
-              <a:t>10/05/2019</a:t>
+              <a:t>12/05/2019</a:t>
             </a:fld>
             <a:endParaRPr lang="pt-BR"/>
           </a:p>
@@ -2581,7 +2581,7 @@
           <a:p>
             <a:fld id="{626380B7-0FA9-4F78-A0A5-93DADF34BB19}" type="datetimeFigureOut">
               <a:rPr lang="pt-BR" smtClean="0"/>
-              <a:t>10/05/2019</a:t>
+              <a:t>12/05/2019</a:t>
             </a:fld>
             <a:endParaRPr lang="pt-BR"/>
           </a:p>
@@ -3911,11 +3911,7 @@
           <a:p>
             <a:r>
               <a:rPr lang="pt-BR" dirty="0" smtClean="0"/>
-              <a:t>Criação de um layout com </a:t>
-            </a:r>
-            <a:r>
-              <a:rPr lang="pt-BR" dirty="0" smtClean="0"/>
-              <a:t>4 páginas;</a:t>
+              <a:t>Criação de um layout com 4 páginas;</a:t>
             </a:r>
             <a:endParaRPr lang="pt-BR" dirty="0"/>
           </a:p>
@@ -3932,7 +3928,6 @@
               <a:rPr lang="pt-BR" dirty="0" smtClean="0"/>
               <a:t>Sobre;</a:t>
             </a:r>
-            <a:endParaRPr lang="pt-BR" dirty="0" smtClean="0"/>
           </a:p>
           <a:p>
             <a:pPr lvl="1"/>
@@ -5069,7 +5064,9 @@
           <a:lstStyle/>
           <a:p>
             <a:r>
-              <a:rPr lang="pt-BR" dirty="0" smtClean="0"/>
+              <a:rPr lang="pt-BR" dirty="0" smtClean="0">
+                <a:hlinkClick r:id="rId2"/>
+              </a:rPr>
               <a:t>Link.</a:t>
             </a:r>
             <a:endParaRPr lang="pt-BR" dirty="0"/>
@@ -5254,7 +5251,7 @@
     </a:clrScheme>
     <a:fontScheme name="Escritório">
       <a:majorFont>
-        <a:latin typeface="Calibri Light" panose="020F0302020204030204"/>
+        <a:latin typeface="Calibri Light"/>
         <a:ea typeface=""/>
         <a:cs typeface=""/>
         <a:font script="Jpan" typeface="ＭＳ Ｐゴシック"/>
@@ -5289,7 +5286,7 @@
         <a:font script="Geor" typeface="Sylfaen"/>
       </a:majorFont>
       <a:minorFont>
-        <a:latin typeface="Calibri" panose="020F0502020204030204"/>
+        <a:latin typeface="Calibri"/>
         <a:ea typeface=""/>
         <a:cs typeface=""/>
         <a:font script="Jpan" typeface="ＭＳ Ｐゴシック"/>
@@ -5466,7 +5463,7 @@
   <a:extraClrSchemeLst/>
   <a:extLst>
     <a:ext uri="{05A4C25C-085E-4340-85A3-A5531E510DB2}">
-      <thm15:themeFamily xmlns:thm15="http://schemas.microsoft.com/office/thememl/2012/main" name="Office Theme" id="{62F939B6-93AF-4DB8-9C6B-D6C7DFDC589F}" vid="{4A3C46E8-61CC-4603-A589-7422A47A8E4A}"/>
+      <thm15:themeFamily xmlns:thm15="http://schemas.microsoft.com/office/thememl/2012/main" xmlns="" name="Office Theme" id="{62F939B6-93AF-4DB8-9C6B-D6C7DFDC589F}" vid="{4A3C46E8-61CC-4603-A589-7422A47A8E4A}"/>
     </a:ext>
   </a:extLst>
 </a:theme>
